--- a/Сертификат.pptx
+++ b/Сертификат.pptx
@@ -172,7 +172,7 @@
           <a:p>
             <a:fld id="{1D8BD707-D9CF-40AE-B4C6-C98DA3205C09}" type="datetimeFigureOut">
               <a:rPr lang="en-US"/>
-              <a:t>2/2/25</a:t>
+              <a:t>2/3/25</a:t>
             </a:fld>
             <a:endParaRPr lang="en-US"/>
           </a:p>
@@ -343,7 +343,7 @@
           <a:p>
             <a:fld id="{1D8BD707-D9CF-40AE-B4C6-C98DA3205C09}" type="datetimeFigureOut">
               <a:rPr lang="en-US"/>
-              <a:t>2/2/25</a:t>
+              <a:t>2/3/25</a:t>
             </a:fld>
             <a:endParaRPr lang="en-US"/>
           </a:p>
@@ -557,7 +557,7 @@
           <a:p>
             <a:fld id="{1D8BD707-D9CF-40AE-B4C6-C98DA3205C09}" type="datetimeFigureOut">
               <a:rPr lang="en-US"/>
-              <a:t>2/2/25</a:t>
+              <a:t>2/3/25</a:t>
             </a:fld>
             <a:endParaRPr lang="en-US"/>
           </a:p>
@@ -705,7 +705,7 @@
           <a:p>
             <a:fld id="{1D8BD707-D9CF-40AE-B4C6-C98DA3205C09}" type="datetimeFigureOut">
               <a:rPr lang="en-US"/>
-              <a:t>2/2/25</a:t>
+              <a:t>2/3/25</a:t>
             </a:fld>
             <a:endParaRPr lang="en-US"/>
           </a:p>
@@ -824,7 +824,7 @@
           <a:p>
             <a:fld id="{1D8BD707-D9CF-40AE-B4C6-C98DA3205C09}" type="datetimeFigureOut">
               <a:rPr lang="en-US"/>
-              <a:t>2/2/25</a:t>
+              <a:t>2/3/25</a:t>
             </a:fld>
             <a:endParaRPr lang="en-US"/>
           </a:p>
@@ -1149,7 +1149,7 @@
           <a:p>
             <a:fld id="{1D8BD707-D9CF-40AE-B4C6-C98DA3205C09}" type="datetimeFigureOut">
               <a:rPr lang="en-US"/>
-              <a:t>2/2/25</a:t>
+              <a:t>2/3/25</a:t>
             </a:fld>
             <a:endParaRPr lang="en-US"/>
           </a:p>
@@ -1792,7 +1792,7 @@
         <p:spPr>
           <a:xfrm>
             <a:off x="2122423" y="1650746"/>
-            <a:ext cx="1516380" cy="482600"/>
+            <a:ext cx="1516380" cy="979755"/>
           </a:xfrm>
           <a:prstGeom prst="rect">
             <a:avLst/>
@@ -1803,6 +1803,32 @@
             <a:spAutoFit/>
           </a:bodyPr>
           <a:lstStyle/>
+          <a:p>
+            <a:pPr marL="12700" algn="ctr">
+              <a:spcBef>
+                <a:spcPts val="100"/>
+              </a:spcBef>
+            </a:pPr>
+            <a:r>
+              <a:rPr lang="en-US" sz="3000" b="1" spc="-50" dirty="0">
+                <a:solidFill>
+                  <a:srgbClr val="A04740"/>
+                </a:solidFill>
+                <a:latin typeface="Times New Roman"/>
+                <a:cs typeface="Times New Roman"/>
+              </a:rPr>
+              <a:t>price </a:t>
+            </a:r>
+            <a:r>
+              <a:rPr lang="ru-RU" sz="3200" dirty="0">
+                <a:solidFill>
+                  <a:srgbClr val="A04740"/>
+                </a:solidFill>
+                <a:effectLst/>
+              </a:rPr>
+              <a:t>₽</a:t>
+            </a:r>
+          </a:p>
           <a:p>
             <a:pPr marL="12700" algn="ctr">
               <a:lnSpc>
@@ -1812,26 +1838,6 @@
                 <a:spcPts val="100"/>
               </a:spcBef>
             </a:pPr>
-            <a:r>
-              <a:rPr lang="en-US" sz="3000" b="1" spc="-50" dirty="0">
-                <a:solidFill>
-                  <a:srgbClr val="A04740"/>
-                </a:solidFill>
-                <a:latin typeface="Times New Roman"/>
-                <a:cs typeface="Times New Roman"/>
-              </a:rPr>
-              <a:t>price </a:t>
-            </a:r>
-            <a:r>
-              <a:rPr sz="3000" b="1" spc="-50" dirty="0" err="1">
-                <a:solidFill>
-                  <a:srgbClr val="A04740"/>
-                </a:solidFill>
-                <a:latin typeface="Times New Roman"/>
-                <a:cs typeface="Times New Roman"/>
-              </a:rPr>
-              <a:t>Р</a:t>
-            </a:r>
             <a:endParaRPr sz="3000" dirty="0">
               <a:latin typeface="Times New Roman"/>
               <a:cs typeface="Times New Roman"/>
